--- a/lecture notes/from Modeling to Continuous-time LQ/powerpoint_handouts (work in progress)/10-Discretization of State-Space System Models (imcmp-handout-light) - pub.pptx
+++ b/lecture notes/from Modeling to Continuous-time LQ/powerpoint_handouts (work in progress)/10-Discretization of State-Space System Models (imcmp-handout-light) - pub.pptx
@@ -765,7 +765,7 @@
           <a:p>
             <a:fld id="{1D8BD707-D9CF-40AE-B4C6-C98DA3205C09}" type="datetimeFigureOut">
               <a:rPr lang="en-US"/>
-              <a:t>10/5/2025</a:t>
+              <a:t>10/21/25</a:t>
             </a:fld>
             <a:endParaRPr lang="en-US"/>
           </a:p>
@@ -1021,7 +1021,7 @@
           <a:p>
             <a:fld id="{1D8BD707-D9CF-40AE-B4C6-C98DA3205C09}" type="datetimeFigureOut">
               <a:rPr lang="en-US"/>
-              <a:t>10/5/2025</a:t>
+              <a:t>10/21/25</a:t>
             </a:fld>
             <a:endParaRPr lang="en-US"/>
           </a:p>
@@ -1314,7 +1314,7 @@
           <a:p>
             <a:fld id="{1D8BD707-D9CF-40AE-B4C6-C98DA3205C09}" type="datetimeFigureOut">
               <a:rPr lang="en-US"/>
-              <a:t>10/5/2025</a:t>
+              <a:t>10/21/25</a:t>
             </a:fld>
             <a:endParaRPr lang="en-US"/>
           </a:p>
@@ -1541,7 +1541,7 @@
           <a:p>
             <a:fld id="{1D8BD707-D9CF-40AE-B4C6-C98DA3205C09}" type="datetimeFigureOut">
               <a:rPr lang="en-US"/>
-              <a:t>10/5/2025</a:t>
+              <a:t>10/21/25</a:t>
             </a:fld>
             <a:endParaRPr lang="en-US"/>
           </a:p>
@@ -1739,7 +1739,7 @@
           <a:p>
             <a:fld id="{1D8BD707-D9CF-40AE-B4C6-C98DA3205C09}" type="datetimeFigureOut">
               <a:rPr lang="en-US"/>
-              <a:t>10/5/2025</a:t>
+              <a:t>10/21/25</a:t>
             </a:fld>
             <a:endParaRPr lang="en-US"/>
           </a:p>
@@ -2093,7 +2093,7 @@
           <a:p>
             <a:fld id="{1D8BD707-D9CF-40AE-B4C6-C98DA3205C09}" type="datetimeFigureOut">
               <a:rPr lang="en-US"/>
-              <a:t>10/5/2025</a:t>
+              <a:t>10/21/25</a:t>
             </a:fld>
             <a:endParaRPr lang="en-US"/>
           </a:p>
@@ -2599,86 +2599,6 @@
       </p:grpSp>
       <p:sp>
         <p:nvSpPr>
-          <p:cNvPr id="6" name="object 6"/>
-          <p:cNvSpPr txBox="1">
-            <a:spLocks noGrp="1"/>
-          </p:cNvSpPr>
-          <p:nvPr>
-            <p:ph type="ftr" sz="quarter" idx="5"/>
-          </p:nvPr>
-        </p:nvSpPr>
-        <p:spPr>
-          <a:prstGeom prst="rect">
-            <a:avLst/>
-          </a:prstGeom>
-        </p:spPr>
-        <p:txBody>
-          <a:bodyPr vert="horz" wrap="square" lIns="0" tIns="24130" rIns="0" bIns="0" rtlCol="0">
-            <a:spAutoFit/>
-          </a:bodyPr>
-          <a:lstStyle/>
-          <a:p>
-            <a:pPr marL="12700">
-              <a:lnSpc>
-                <a:spcPct val="100000"/>
-              </a:lnSpc>
-              <a:spcBef>
-                <a:spcPts val="190"/>
-              </a:spcBef>
-            </a:pPr>
-            <a:r>
-              <a:rPr dirty="0"/>
-              <a:t>Mod</a:t>
-            </a:r>
-            <a:r>
-              <a:rPr spc="80" dirty="0"/>
-              <a:t> </a:t>
-            </a:r>
-            <a:r>
-              <a:rPr dirty="0"/>
-              <a:t>Ctrl</a:t>
-            </a:r>
-            <a:r>
-              <a:rPr spc="75" dirty="0"/>
-              <a:t> </a:t>
-            </a:r>
-            <a:r>
-              <a:rPr dirty="0"/>
-              <a:t>Intro</a:t>
-            </a:r>
-            <a:r>
-              <a:rPr spc="320" dirty="0"/>
-              <a:t> </a:t>
-            </a:r>
-            <a:r>
-              <a:rPr dirty="0"/>
-              <a:t>(w</a:t>
-            </a:r>
-            <a:r>
-              <a:rPr spc="75" dirty="0"/>
-              <a:t> </a:t>
-            </a:r>
-            <a:r>
-              <a:rPr dirty="0"/>
-              <a:t>Matlab</a:t>
-            </a:r>
-            <a:r>
-              <a:rPr spc="80" dirty="0"/>
-              <a:t> &amp;</a:t>
-            </a:r>
-            <a:r>
-              <a:rPr spc="75" dirty="0"/>
-              <a:t> </a:t>
-            </a:r>
-            <a:r>
-              <a:rPr spc="-10" dirty="0"/>
-              <a:t>Python)</a:t>
-            </a:r>
-          </a:p>
-        </p:txBody>
-      </p:sp>
-      <p:sp>
-        <p:nvSpPr>
           <p:cNvPr id="7" name="object 7"/>
           <p:cNvSpPr txBox="1"/>
           <p:nvPr/>
@@ -2784,6 +2704,113 @@
               <a:rPr spc="-35" dirty="0"/>
               <a:t>12</a:t>
             </a:r>
+          </a:p>
+        </p:txBody>
+      </p:sp>
+      <p:sp>
+        <p:nvSpPr>
+          <p:cNvPr id="9" name="object 4">
+            <a:extLst>
+              <a:ext uri="{FF2B5EF4-FFF2-40B4-BE49-F238E27FC236}">
+                <a16:creationId xmlns:a16="http://schemas.microsoft.com/office/drawing/2014/main" id="{60162222-F378-B606-42E8-4B2692BA903E}"/>
+              </a:ext>
+            </a:extLst>
+          </p:cNvPr>
+          <p:cNvSpPr txBox="1">
+            <a:spLocks noGrp="1"/>
+          </p:cNvSpPr>
+          <p:nvPr>
+            <p:ph type="ftr" sz="quarter" idx="5"/>
+          </p:nvPr>
+        </p:nvSpPr>
+        <p:spPr>
+          <a:xfrm>
+            <a:off x="-61405" y="3322038"/>
+            <a:ext cx="2152650" cy="116699"/>
+          </a:xfrm>
+          <a:prstGeom prst="rect">
+            <a:avLst/>
+          </a:prstGeom>
+        </p:spPr>
+        <p:txBody>
+          <a:bodyPr vert="horz" wrap="square" lIns="0" tIns="24130" rIns="0" bIns="0" rtlCol="0">
+            <a:spAutoFit/>
+          </a:bodyPr>
+          <a:lstStyle/>
+          <a:p>
+            <a:pPr marL="12700" algn="ctr">
+              <a:lnSpc>
+                <a:spcPct val="100000"/>
+              </a:lnSpc>
+              <a:spcBef>
+                <a:spcPts val="190"/>
+              </a:spcBef>
+            </a:pPr>
+            <a:r>
+              <a:rPr dirty="0"/>
+              <a:t>Mod</a:t>
+            </a:r>
+            <a:r>
+              <a:rPr spc="80" dirty="0"/>
+              <a:t> </a:t>
+            </a:r>
+            <a:r>
+              <a:rPr dirty="0"/>
+              <a:t>Ctrl</a:t>
+            </a:r>
+            <a:r>
+              <a:rPr spc="75" dirty="0"/>
+              <a:t> </a:t>
+            </a:r>
+            <a:r>
+              <a:rPr dirty="0"/>
+              <a:t>Intr</a:t>
+            </a:r>
+            <a:r>
+              <a:rPr lang="en-US" dirty="0"/>
+              <a:t>o</a:t>
+            </a:r>
+            <a:r>
+              <a:rPr lang="en-US" spc="320" dirty="0"/>
+              <a:t> </a:t>
+            </a:r>
+            <a:r>
+              <a:rPr lang="en-US" dirty="0"/>
+              <a:t>(</a:t>
+            </a:r>
+            <a:r>
+              <a:rPr dirty="0"/>
+              <a:t>w</a:t>
+            </a:r>
+            <a:r>
+              <a:rPr spc="75" dirty="0"/>
+              <a:t> </a:t>
+            </a:r>
+            <a:r>
+              <a:rPr dirty="0"/>
+              <a:t>Matlab</a:t>
+            </a:r>
+            <a:r>
+              <a:rPr spc="80" dirty="0"/>
+              <a:t> &amp;</a:t>
+            </a:r>
+            <a:r>
+              <a:rPr spc="75" dirty="0"/>
+              <a:t> </a:t>
+            </a:r>
+            <a:r>
+              <a:rPr spc="-10" dirty="0"/>
+              <a:t>Python)</a:t>
+            </a:r>
+            <a:r>
+              <a:rPr lang="en-US" spc="-10" dirty="0"/>
+              <a:t>, Chen &amp; </a:t>
+            </a:r>
+            <a:r>
+              <a:rPr lang="en-US" spc="-10" dirty="0" err="1"/>
+              <a:t>Tomizuka</a:t>
+            </a:r>
+            <a:endParaRPr spc="-10" dirty="0"/>
           </a:p>
         </p:txBody>
       </p:sp>
@@ -3771,8 +3798,8 @@
           </a:p>
         </p:txBody>
       </p:sp>
-      <mc:AlternateContent xmlns:mc="http://schemas.openxmlformats.org/markup-compatibility/2006">
-        <mc:Choice xmlns:a14="http://schemas.microsoft.com/office/drawing/2010/main" Requires="a14">
+      <mc:AlternateContent xmlns:mc="http://schemas.openxmlformats.org/markup-compatibility/2006" xmlns:a14="http://schemas.microsoft.com/office/drawing/2010/main">
+        <mc:Choice Requires="a14">
           <p:sp>
             <p:nvSpPr>
               <p:cNvPr id="16" name="文本框 15">
@@ -3859,16 +3886,7 @@
                                   </a:solidFill>
                                   <a:latin typeface="Cambria Math" panose="02040503050406030204" pitchFamily="18" charset="0"/>
                                 </a:rPr>
-                                <m:t>+</m:t>
-                              </m:r>
-                              <m:r>
-                                <a:rPr lang="ar-AE" altLang="zh-CN" sz="1100">
-                                  <a:solidFill>
-                                    <a:schemeClr val="tx1"/>
-                                  </a:solidFill>
-                                  <a:latin typeface="Cambria Math" panose="02040503050406030204" pitchFamily="18" charset="0"/>
-                                </a:rPr>
-                                <m:t>1</m:t>
+                                <m:t>+1</m:t>
                               </m:r>
                             </m:e>
                           </m:d>
@@ -4303,7 +4321,7 @@
             </p:txBody>
           </p:sp>
         </mc:Choice>
-        <mc:Fallback>
+        <mc:Fallback xmlns="">
           <p:sp>
             <p:nvSpPr>
               <p:cNvPr id="16" name="文本框 15">
@@ -4668,8 +4686,8 @@
           </a:p>
         </p:txBody>
       </p:sp>
-      <mc:AlternateContent xmlns:mc="http://schemas.openxmlformats.org/markup-compatibility/2006">
-        <mc:Choice xmlns:a14="http://schemas.microsoft.com/office/drawing/2010/main" Requires="a14">
+      <mc:AlternateContent xmlns:mc="http://schemas.openxmlformats.org/markup-compatibility/2006" xmlns:a14="http://schemas.microsoft.com/office/drawing/2010/main">
+        <mc:Choice Requires="a14">
           <p:sp>
             <p:nvSpPr>
               <p:cNvPr id="47" name="文本框 46">
@@ -5763,6 +5781,7 @@
                 <a:endParaRPr lang="en-US" altLang="zh-CN" sz="1100" dirty="0"/>
               </a:p>
               <a:p>
+                <a:pPr/>
                 <a14:m>
                   <m:oMathPara xmlns:m="http://schemas.openxmlformats.org/officeDocument/2006/math">
                     <m:oMathParaPr>
@@ -5814,7 +5833,7 @@
             </p:txBody>
           </p:sp>
         </mc:Choice>
-        <mc:Fallback>
+        <mc:Fallback xmlns="">
           <p:sp>
             <p:nvSpPr>
               <p:cNvPr id="47" name="文本框 46">
@@ -7740,8 +7759,8 @@
           </a:prstGeom>
         </p:spPr>
       </p:pic>
-      <mc:AlternateContent xmlns:mc="http://schemas.openxmlformats.org/markup-compatibility/2006">
-        <mc:Choice xmlns:a14="http://schemas.microsoft.com/office/drawing/2010/main" Requires="a14">
+      <mc:AlternateContent xmlns:mc="http://schemas.openxmlformats.org/markup-compatibility/2006" xmlns:a14="http://schemas.microsoft.com/office/drawing/2010/main">
+        <mc:Choice Requires="a14">
           <p:sp>
             <p:nvSpPr>
               <p:cNvPr id="9" name="object 9"/>
@@ -8298,7 +8317,7 @@
             </p:txBody>
           </p:sp>
         </mc:Choice>
-        <mc:Fallback>
+        <mc:Fallback xmlns="">
           <p:sp>
             <p:nvSpPr>
               <p:cNvPr id="9" name="object 9"/>
@@ -8915,8 +8934,8 @@
           </a:p>
         </p:txBody>
       </p:sp>
-      <mc:AlternateContent xmlns:mc="http://schemas.openxmlformats.org/markup-compatibility/2006">
-        <mc:Choice xmlns:a14="http://schemas.microsoft.com/office/drawing/2010/main" Requires="a14">
+      <mc:AlternateContent xmlns:mc="http://schemas.openxmlformats.org/markup-compatibility/2006" xmlns:a14="http://schemas.microsoft.com/office/drawing/2010/main">
+        <mc:Choice Requires="a14">
           <p:sp>
             <p:nvSpPr>
               <p:cNvPr id="38" name="文本框 37">
@@ -9001,19 +9020,7 @@
                                 <a:rPr lang="en-US" altLang="zh-CN" sz="1100" b="0" i="1" smtClean="0">
                                   <a:latin typeface="Cambria Math" panose="02040503050406030204" pitchFamily="18" charset="0"/>
                                 </a:rPr>
-                                <m:t>99</m:t>
-                              </m:r>
-                              <m:r>
-                                <a:rPr lang="en-US" altLang="zh-CN" sz="1100" b="0" i="1" smtClean="0">
-                                  <a:latin typeface="Cambria Math" panose="02040503050406030204" pitchFamily="18" charset="0"/>
-                                </a:rPr>
-                                <m:t>.</m:t>
-                              </m:r>
-                              <m:r>
-                                <a:rPr lang="en-US" altLang="zh-CN" sz="1100" b="0" i="1" smtClean="0">
-                                  <a:latin typeface="Cambria Math" panose="02040503050406030204" pitchFamily="18" charset="0"/>
-                                </a:rPr>
-                                <m:t>8</m:t>
+                                <m:t>99.8</m:t>
                               </m:r>
                             </m:e>
                             <m:e>
@@ -9031,13 +9038,7 @@
                                 <a:rPr lang="en-US" altLang="zh-CN" sz="1100" b="0" i="1" smtClean="0">
                                   <a:latin typeface="Cambria Math" panose="02040503050406030204" pitchFamily="18" charset="0"/>
                                 </a:rPr>
-                                <m:t>−</m:t>
-                              </m:r>
-                              <m:r>
-                                <a:rPr lang="en-US" altLang="zh-CN" sz="1100" b="0" i="1" smtClean="0">
-                                  <a:latin typeface="Cambria Math" panose="02040503050406030204" pitchFamily="18" charset="0"/>
-                                </a:rPr>
-                                <m:t>2000</m:t>
+                                <m:t>−2000</m:t>
                               </m:r>
                             </m:e>
                             <m:e>
@@ -9045,19 +9046,7 @@
                                 <a:rPr lang="en-US" altLang="zh-CN" sz="1100" b="0" i="1" smtClean="0">
                                   <a:latin typeface="Cambria Math" panose="02040503050406030204" pitchFamily="18" charset="0"/>
                                 </a:rPr>
-                                <m:t>99</m:t>
-                              </m:r>
-                              <m:r>
-                                <a:rPr lang="en-US" altLang="zh-CN" sz="1100" b="0" i="1" smtClean="0">
-                                  <a:latin typeface="Cambria Math" panose="02040503050406030204" pitchFamily="18" charset="0"/>
-                                </a:rPr>
-                                <m:t>.</m:t>
-                              </m:r>
-                              <m:r>
-                                <a:rPr lang="en-US" altLang="zh-CN" sz="1100" b="0" i="1" smtClean="0">
-                                  <a:latin typeface="Cambria Math" panose="02040503050406030204" pitchFamily="18" charset="0"/>
-                                </a:rPr>
-                                <m:t>8</m:t>
+                                <m:t>99.8</m:t>
                               </m:r>
                             </m:e>
                           </m:mr>
@@ -9068,25 +9057,7 @@
                       <a:rPr lang="en-US" altLang="zh-CN" sz="1100" i="1" dirty="0" smtClean="0">
                         <a:latin typeface="Cambria Math" panose="02040503050406030204" pitchFamily="18" charset="0"/>
                       </a:rPr>
-                      <m:t>=</m:t>
-                    </m:r>
-                    <m:r>
-                      <a:rPr lang="en-US" altLang="zh-CN" sz="1100" i="1" dirty="0" smtClean="0">
-                        <a:latin typeface="Cambria Math" panose="02040503050406030204" pitchFamily="18" charset="0"/>
-                      </a:rPr>
-                      <m:t>99</m:t>
-                    </m:r>
-                    <m:r>
-                      <a:rPr lang="en-US" altLang="zh-CN" sz="1100" i="1" dirty="0" smtClean="0">
-                        <a:latin typeface="Cambria Math" panose="02040503050406030204" pitchFamily="18" charset="0"/>
-                      </a:rPr>
-                      <m:t>.</m:t>
-                    </m:r>
-                    <m:r>
-                      <a:rPr lang="en-US" altLang="zh-CN" sz="1100" i="1" dirty="0" smtClean="0">
-                        <a:latin typeface="Cambria Math" panose="02040503050406030204" pitchFamily="18" charset="0"/>
-                      </a:rPr>
-                      <m:t>8</m:t>
+                      <m:t>=99.8</m:t>
                     </m:r>
                     <m:r>
                       <a:rPr lang="en-US" altLang="zh-CN" sz="1100" i="1" dirty="0" smtClean="0">
@@ -9098,13 +9069,7 @@
                       <a:rPr lang="en-US" altLang="zh-CN" sz="1100" i="1" dirty="0" smtClean="0">
                         <a:latin typeface="Cambria Math" panose="02040503050406030204" pitchFamily="18" charset="0"/>
                       </a:rPr>
-                      <m:t>+</m:t>
-                    </m:r>
-                    <m:r>
-                      <a:rPr lang="en-US" altLang="zh-CN" sz="1100" i="1" dirty="0" smtClean="0">
-                        <a:latin typeface="Cambria Math" panose="02040503050406030204" pitchFamily="18" charset="0"/>
-                      </a:rPr>
-                      <m:t>2000</m:t>
+                      <m:t>+2000</m:t>
                     </m:r>
                     <m:limUpp>
                       <m:limUppPr>
@@ -9179,13 +9144,7 @@
                                         <a:rPr lang="en-US" altLang="zh-CN" sz="1100" b="0" i="1" smtClean="0">
                                           <a:latin typeface="Cambria Math" panose="02040503050406030204" pitchFamily="18" charset="0"/>
                                         </a:rPr>
-                                        <m:t>−</m:t>
-                                      </m:r>
-                                      <m:r>
-                                        <a:rPr lang="en-US" altLang="zh-CN" sz="1100" b="0" i="1" smtClean="0">
-                                          <a:latin typeface="Cambria Math" panose="02040503050406030204" pitchFamily="18" charset="0"/>
-                                        </a:rPr>
-                                        <m:t>1</m:t>
+                                        <m:t>−1</m:t>
                                       </m:r>
                                     </m:e>
                                     <m:e>
@@ -9219,7 +9178,7 @@
             </p:txBody>
           </p:sp>
         </mc:Choice>
-        <mc:Fallback>
+        <mc:Fallback xmlns="">
           <p:sp>
             <p:nvSpPr>
               <p:cNvPr id="38" name="文本框 37">
@@ -9264,8 +9223,8 @@
           </p:sp>
         </mc:Fallback>
       </mc:AlternateContent>
-      <mc:AlternateContent xmlns:mc="http://schemas.openxmlformats.org/markup-compatibility/2006">
-        <mc:Choice xmlns:a14="http://schemas.microsoft.com/office/drawing/2010/main" Requires="a14">
+      <mc:AlternateContent xmlns:mc="http://schemas.openxmlformats.org/markup-compatibility/2006" xmlns:a14="http://schemas.microsoft.com/office/drawing/2010/main">
+        <mc:Choice Requires="a14">
           <p:sp>
             <p:nvSpPr>
               <p:cNvPr id="39" name="文本框 38">
@@ -9350,19 +9309,7 @@
                                 <a:rPr lang="en-US" altLang="zh-CN" sz="1100" b="0" i="1" smtClean="0">
                                   <a:latin typeface="Cambria Math" panose="02040503050406030204" pitchFamily="18" charset="0"/>
                                 </a:rPr>
-                                <m:t>99</m:t>
-                              </m:r>
-                              <m:r>
-                                <a:rPr lang="en-US" altLang="zh-CN" sz="1100" b="0" i="1" smtClean="0">
-                                  <a:latin typeface="Cambria Math" panose="02040503050406030204" pitchFamily="18" charset="0"/>
-                                </a:rPr>
-                                <m:t>.</m:t>
-                              </m:r>
-                              <m:r>
-                                <a:rPr lang="en-US" altLang="zh-CN" sz="1100" b="0" i="1" smtClean="0">
-                                  <a:latin typeface="Cambria Math" panose="02040503050406030204" pitchFamily="18" charset="0"/>
-                                </a:rPr>
-                                <m:t>8</m:t>
+                                <m:t>99.8</m:t>
                               </m:r>
                             </m:e>
                             <m:e>
@@ -9380,13 +9327,7 @@
                                 <a:rPr lang="en-US" altLang="zh-CN" sz="1100" b="0" i="1" smtClean="0">
                                   <a:latin typeface="Cambria Math" panose="02040503050406030204" pitchFamily="18" charset="0"/>
                                 </a:rPr>
-                                <m:t>−</m:t>
-                              </m:r>
-                              <m:r>
-                                <a:rPr lang="en-US" altLang="zh-CN" sz="1100" b="0" i="1" smtClean="0">
-                                  <a:latin typeface="Cambria Math" panose="02040503050406030204" pitchFamily="18" charset="0"/>
-                                </a:rPr>
-                                <m:t>2000</m:t>
+                                <m:t>−2000</m:t>
                               </m:r>
                             </m:e>
                             <m:e>
@@ -9394,19 +9335,7 @@
                                 <a:rPr lang="en-US" altLang="zh-CN" sz="1100" b="0" i="1" smtClean="0">
                                   <a:latin typeface="Cambria Math" panose="02040503050406030204" pitchFamily="18" charset="0"/>
                                 </a:rPr>
-                                <m:t>99</m:t>
-                              </m:r>
-                              <m:r>
-                                <a:rPr lang="en-US" altLang="zh-CN" sz="1100" b="0" i="1" smtClean="0">
-                                  <a:latin typeface="Cambria Math" panose="02040503050406030204" pitchFamily="18" charset="0"/>
-                                </a:rPr>
-                                <m:t>.</m:t>
-                              </m:r>
-                              <m:r>
-                                <a:rPr lang="en-US" altLang="zh-CN" sz="1100" b="0" i="1" smtClean="0">
-                                  <a:latin typeface="Cambria Math" panose="02040503050406030204" pitchFamily="18" charset="0"/>
-                                </a:rPr>
-                                <m:t>8</m:t>
+                                <m:t>99.8</m:t>
                               </m:r>
                             </m:e>
                           </m:mr>
@@ -9417,25 +9346,7 @@
                       <a:rPr lang="en-US" altLang="zh-CN" sz="1100" i="1" dirty="0" smtClean="0">
                         <a:latin typeface="Cambria Math" panose="02040503050406030204" pitchFamily="18" charset="0"/>
                       </a:rPr>
-                      <m:t>=</m:t>
-                    </m:r>
-                    <m:r>
-                      <a:rPr lang="en-US" altLang="zh-CN" sz="1100" i="1" dirty="0" smtClean="0">
-                        <a:latin typeface="Cambria Math" panose="02040503050406030204" pitchFamily="18" charset="0"/>
-                      </a:rPr>
-                      <m:t>99</m:t>
-                    </m:r>
-                    <m:r>
-                      <a:rPr lang="en-US" altLang="zh-CN" sz="1100" i="1" dirty="0" smtClean="0">
-                        <a:latin typeface="Cambria Math" panose="02040503050406030204" pitchFamily="18" charset="0"/>
-                      </a:rPr>
-                      <m:t>.</m:t>
-                    </m:r>
-                    <m:r>
-                      <a:rPr lang="en-US" altLang="zh-CN" sz="1100" i="1" dirty="0" smtClean="0">
-                        <a:latin typeface="Cambria Math" panose="02040503050406030204" pitchFamily="18" charset="0"/>
-                      </a:rPr>
-                      <m:t>8</m:t>
+                      <m:t>=99.8</m:t>
                     </m:r>
                     <m:r>
                       <a:rPr lang="en-US" altLang="zh-CN" sz="1100" i="1" dirty="0" smtClean="0">
@@ -9447,13 +9358,7 @@
                       <a:rPr lang="en-US" altLang="zh-CN" sz="1100" i="1" dirty="0" smtClean="0">
                         <a:latin typeface="Cambria Math" panose="02040503050406030204" pitchFamily="18" charset="0"/>
                       </a:rPr>
-                      <m:t>+</m:t>
-                    </m:r>
-                    <m:r>
-                      <a:rPr lang="en-US" altLang="zh-CN" sz="1100" i="1" dirty="0" smtClean="0">
-                        <a:latin typeface="Cambria Math" panose="02040503050406030204" pitchFamily="18" charset="0"/>
-                      </a:rPr>
-                      <m:t>2000</m:t>
+                      <m:t>+2000</m:t>
                     </m:r>
                     <m:d>
                       <m:dPr>
@@ -9507,13 +9412,7 @@
                                 <a:rPr lang="en-US" altLang="zh-CN" sz="1100" b="0" i="1" smtClean="0">
                                   <a:latin typeface="Cambria Math" panose="02040503050406030204" pitchFamily="18" charset="0"/>
                                 </a:rPr>
-                                <m:t>−</m:t>
-                              </m:r>
-                              <m:r>
-                                <a:rPr lang="en-US" altLang="zh-CN" sz="1100" b="0" i="1" smtClean="0">
-                                  <a:latin typeface="Cambria Math" panose="02040503050406030204" pitchFamily="18" charset="0"/>
-                                </a:rPr>
-                                <m:t>1</m:t>
+                                <m:t>−1</m:t>
                               </m:r>
                             </m:e>
                             <m:e>
@@ -9533,6 +9432,7 @@
                 <a:endParaRPr lang="en-US" altLang="zh-CN" sz="1100" b="0" dirty="0"/>
               </a:p>
               <a:p>
+                <a:pPr/>
                 <a14:m>
                   <m:oMathPara xmlns:m="http://schemas.openxmlformats.org/officeDocument/2006/math">
                     <m:oMathParaPr>
@@ -9566,37 +9466,7 @@
                         <a:rPr lang="en-US" altLang="zh-CN" sz="1100" b="0" i="1" smtClean="0">
                           <a:latin typeface="Cambria Math" panose="02040503050406030204" pitchFamily="18" charset="0"/>
                         </a:rPr>
-                        <m:t>=</m:t>
-                      </m:r>
-                      <m:r>
-                        <a:rPr lang="en-US" altLang="zh-CN" sz="1100" b="0" i="1" smtClean="0">
-                          <a:latin typeface="Cambria Math" panose="02040503050406030204" pitchFamily="18" charset="0"/>
-                        </a:rPr>
-                        <m:t>99</m:t>
-                      </m:r>
-                      <m:r>
-                        <a:rPr lang="en-US" altLang="zh-CN" sz="1100" b="0" i="1" smtClean="0">
-                          <a:latin typeface="Cambria Math" panose="02040503050406030204" pitchFamily="18" charset="0"/>
-                        </a:rPr>
-                        <m:t>.</m:t>
-                      </m:r>
-                      <m:r>
-                        <a:rPr lang="en-US" altLang="zh-CN" sz="1100" b="0" i="1" smtClean="0">
-                          <a:latin typeface="Cambria Math" panose="02040503050406030204" pitchFamily="18" charset="0"/>
-                        </a:rPr>
-                        <m:t>8</m:t>
-                      </m:r>
-                      <m:r>
-                        <a:rPr lang="en-US" altLang="zh-CN" sz="1100" b="0" i="1" smtClean="0">
-                          <a:latin typeface="Cambria Math" panose="02040503050406030204" pitchFamily="18" charset="0"/>
-                        </a:rPr>
-                        <m:t>+</m:t>
-                      </m:r>
-                      <m:r>
-                        <a:rPr lang="en-US" altLang="zh-CN" sz="1100" b="0" i="1" smtClean="0">
-                          <a:latin typeface="Cambria Math" panose="02040503050406030204" pitchFamily="18" charset="0"/>
-                        </a:rPr>
-                        <m:t>2000</m:t>
+                        <m:t>=99.8+2000</m:t>
                       </m:r>
                       <m:r>
                         <a:rPr lang="en-US" altLang="zh-CN" sz="1100" b="0" i="1" smtClean="0">
@@ -9667,13 +9537,7 @@
                                       <a:rPr lang="en-US" altLang="zh-CN" sz="1100" b="0" i="1" smtClean="0">
                                         <a:latin typeface="Cambria Math" panose="02040503050406030204" pitchFamily="18" charset="0"/>
                                       </a:rPr>
-                                      <m:t>−</m:t>
-                                    </m:r>
-                                    <m:r>
-                                      <a:rPr lang="en-US" altLang="zh-CN" sz="1100" b="0" i="1" smtClean="0">
-                                        <a:latin typeface="Cambria Math" panose="02040503050406030204" pitchFamily="18" charset="0"/>
-                                      </a:rPr>
-                                      <m:t>1</m:t>
+                                      <m:t>−1</m:t>
                                     </m:r>
                                   </m:e>
                                   <m:e>
@@ -9694,37 +9558,7 @@
                         <a:rPr lang="en-US" altLang="zh-CN" sz="1100" b="0" i="1" smtClean="0">
                           <a:latin typeface="Cambria Math" panose="02040503050406030204" pitchFamily="18" charset="0"/>
                         </a:rPr>
-                        <m:t>=</m:t>
-                      </m:r>
-                      <m:r>
-                        <a:rPr lang="en-US" altLang="zh-CN" sz="1100" b="0" i="1" smtClean="0">
-                          <a:latin typeface="Cambria Math" panose="02040503050406030204" pitchFamily="18" charset="0"/>
-                        </a:rPr>
-                        <m:t>99</m:t>
-                      </m:r>
-                      <m:r>
-                        <a:rPr lang="en-US" altLang="zh-CN" sz="1100" b="0" i="1" smtClean="0">
-                          <a:latin typeface="Cambria Math" panose="02040503050406030204" pitchFamily="18" charset="0"/>
-                        </a:rPr>
-                        <m:t>.</m:t>
-                      </m:r>
-                      <m:r>
-                        <a:rPr lang="en-US" altLang="zh-CN" sz="1100" b="0" i="1" smtClean="0">
-                          <a:latin typeface="Cambria Math" panose="02040503050406030204" pitchFamily="18" charset="0"/>
-                        </a:rPr>
-                        <m:t>8</m:t>
-                      </m:r>
-                      <m:r>
-                        <a:rPr lang="en-US" altLang="zh-CN" sz="1100" b="0" i="1" smtClean="0">
-                          <a:latin typeface="Cambria Math" panose="02040503050406030204" pitchFamily="18" charset="0"/>
-                        </a:rPr>
-                        <m:t>±</m:t>
-                      </m:r>
-                      <m:r>
-                        <a:rPr lang="en-US" altLang="zh-CN" sz="1100" b="0" i="1" smtClean="0">
-                          <a:latin typeface="Cambria Math" panose="02040503050406030204" pitchFamily="18" charset="0"/>
-                        </a:rPr>
-                        <m:t>2000</m:t>
+                        <m:t>=99.8±2000</m:t>
                       </m:r>
                       <m:r>
                         <a:rPr lang="en-US" altLang="zh-CN" sz="1100" b="0" i="1" smtClean="0">
@@ -9740,7 +9574,7 @@
             </p:txBody>
           </p:sp>
         </mc:Choice>
-        <mc:Fallback>
+        <mc:Fallback xmlns="">
           <p:sp>
             <p:nvSpPr>
               <p:cNvPr id="39" name="文本框 38">
@@ -11018,8 +10852,8 @@
           </a:p>
         </p:txBody>
       </p:sp>
-      <mc:AlternateContent xmlns:mc="http://schemas.openxmlformats.org/markup-compatibility/2006">
-        <mc:Choice xmlns:a14="http://schemas.microsoft.com/office/drawing/2010/main" Requires="a14">
+      <mc:AlternateContent xmlns:mc="http://schemas.openxmlformats.org/markup-compatibility/2006" xmlns:a14="http://schemas.microsoft.com/office/drawing/2010/main">
+        <mc:Choice Requires="a14">
           <p:sp>
             <p:nvSpPr>
               <p:cNvPr id="19" name="文本框 18">
@@ -11123,25 +10957,7 @@
                                   </a:solidFill>
                                   <a:latin typeface="Cambria Math" panose="02040503050406030204" pitchFamily="18" charset="0"/>
                                 </a:rPr>
-                                <m:t>99</m:t>
-                              </m:r>
-                              <m:r>
-                                <a:rPr lang="en-US" altLang="zh-CN" sz="1100" b="0" i="1" smtClean="0">
-                                  <a:solidFill>
-                                    <a:schemeClr val="tx1"/>
-                                  </a:solidFill>
-                                  <a:latin typeface="Cambria Math" panose="02040503050406030204" pitchFamily="18" charset="0"/>
-                                </a:rPr>
-                                <m:t>.</m:t>
-                              </m:r>
-                              <m:r>
-                                <a:rPr lang="en-US" altLang="zh-CN" sz="1100" b="0" i="1" smtClean="0">
-                                  <a:solidFill>
-                                    <a:schemeClr val="tx1"/>
-                                  </a:solidFill>
-                                  <a:latin typeface="Cambria Math" panose="02040503050406030204" pitchFamily="18" charset="0"/>
-                                </a:rPr>
-                                <m:t>8</m:t>
+                                <m:t>99.8</m:t>
                               </m:r>
                             </m:e>
                             <m:e>
@@ -11165,16 +10981,7 @@
                                   </a:solidFill>
                                   <a:latin typeface="Cambria Math" panose="02040503050406030204" pitchFamily="18" charset="0"/>
                                 </a:rPr>
-                                <m:t>−</m:t>
-                              </m:r>
-                              <m:r>
-                                <a:rPr lang="en-US" altLang="zh-CN" sz="1100" b="0" i="1" smtClean="0">
-                                  <a:solidFill>
-                                    <a:schemeClr val="tx1"/>
-                                  </a:solidFill>
-                                  <a:latin typeface="Cambria Math" panose="02040503050406030204" pitchFamily="18" charset="0"/>
-                                </a:rPr>
-                                <m:t>2000</m:t>
+                                <m:t>−2000</m:t>
                               </m:r>
                             </m:e>
                             <m:e>
@@ -11185,25 +10992,7 @@
                                   </a:solidFill>
                                   <a:latin typeface="Cambria Math" panose="02040503050406030204" pitchFamily="18" charset="0"/>
                                 </a:rPr>
-                                <m:t>99</m:t>
-                              </m:r>
-                              <m:r>
-                                <a:rPr lang="en-US" altLang="zh-CN" sz="1100" b="0" i="1" smtClean="0">
-                                  <a:solidFill>
-                                    <a:schemeClr val="tx1"/>
-                                  </a:solidFill>
-                                  <a:latin typeface="Cambria Math" panose="02040503050406030204" pitchFamily="18" charset="0"/>
-                                </a:rPr>
-                                <m:t>.</m:t>
-                              </m:r>
-                              <m:r>
-                                <a:rPr lang="en-US" altLang="zh-CN" sz="1100" b="0" i="1" smtClean="0">
-                                  <a:solidFill>
-                                    <a:schemeClr val="tx1"/>
-                                  </a:solidFill>
-                                  <a:latin typeface="Cambria Math" panose="02040503050406030204" pitchFamily="18" charset="0"/>
-                                </a:rPr>
-                                <m:t>8</m:t>
+                                <m:t>99.8</m:t>
                               </m:r>
                             </m:e>
                           </m:mr>
@@ -11221,7 +11010,7 @@
             </p:txBody>
           </p:sp>
         </mc:Choice>
-        <mc:Fallback>
+        <mc:Fallback xmlns="">
           <p:sp>
             <p:nvSpPr>
               <p:cNvPr id="19" name="文本框 18">
@@ -23720,8 +23509,8 @@
           </a:p>
         </p:txBody>
       </p:sp>
-      <mc:AlternateContent xmlns:mc="http://schemas.openxmlformats.org/markup-compatibility/2006">
-        <mc:Choice xmlns:a14="http://schemas.microsoft.com/office/drawing/2010/main" Requires="a14">
+      <mc:AlternateContent xmlns:mc="http://schemas.openxmlformats.org/markup-compatibility/2006" xmlns:a14="http://schemas.microsoft.com/office/drawing/2010/main">
+        <mc:Choice Requires="a14">
           <p:sp>
             <p:nvSpPr>
               <p:cNvPr id="95" name="文本框 94">
@@ -23878,13 +23667,7 @@
                           <a:rPr lang="ar-AE" altLang="zh-CN" sz="1100">
                             <a:latin typeface="Cambria Math" panose="02040503050406030204" pitchFamily="18" charset="0"/>
                           </a:rPr>
-                          <m:t>+</m:t>
-                        </m:r>
-                        <m:r>
-                          <a:rPr lang="ar-AE" altLang="zh-CN" sz="1100">
-                            <a:latin typeface="Cambria Math" panose="02040503050406030204" pitchFamily="18" charset="0"/>
-                          </a:rPr>
-                          <m:t>1</m:t>
+                          <m:t>+1</m:t>
                         </m:r>
                       </m:sub>
                     </m:sSub>
@@ -23949,13 +23732,7 @@
                                 <a:rPr lang="en-US" altLang="zh-CN" sz="1100" b="0" i="1" smtClean="0">
                                   <a:latin typeface="Cambria Math" panose="02040503050406030204" pitchFamily="18" charset="0"/>
                                 </a:rPr>
-                                <m:t>+</m:t>
-                              </m:r>
-                              <m:r>
-                                <a:rPr lang="en-US" altLang="zh-CN" sz="1100" b="0" i="1" smtClean="0">
-                                  <a:latin typeface="Cambria Math" panose="02040503050406030204" pitchFamily="18" charset="0"/>
-                                </a:rPr>
-                                <m:t>1</m:t>
+                                <m:t>+1</m:t>
                               </m:r>
                             </m:sub>
                           </m:sSub>
@@ -24026,13 +23803,7 @@
                                     <a:rPr lang="en-US" altLang="zh-CN" sz="1100" b="0" i="1" smtClean="0">
                                       <a:latin typeface="Cambria Math" panose="02040503050406030204" pitchFamily="18" charset="0"/>
                                     </a:rPr>
-                                    <m:t>+</m:t>
-                                  </m:r>
-                                  <m:r>
-                                    <a:rPr lang="en-US" altLang="zh-CN" sz="1100" b="0" i="1" smtClean="0">
-                                      <a:latin typeface="Cambria Math" panose="02040503050406030204" pitchFamily="18" charset="0"/>
-                                    </a:rPr>
-                                    <m:t>1</m:t>
+                                    <m:t>+1</m:t>
                                   </m:r>
                                 </m:sub>
                               </m:sSub>
@@ -24189,13 +23960,7 @@
                                 <a:rPr lang="en-US" altLang="zh-CN" sz="1100" b="0" i="1" smtClean="0">
                                   <a:latin typeface="Cambria Math" panose="02040503050406030204" pitchFamily="18" charset="0"/>
                                 </a:rPr>
-                                <m:t>+</m:t>
-                              </m:r>
-                              <m:r>
-                                <a:rPr lang="en-US" altLang="zh-CN" sz="1100" b="0" i="1" smtClean="0">
-                                  <a:latin typeface="Cambria Math" panose="02040503050406030204" pitchFamily="18" charset="0"/>
-                                </a:rPr>
-                                <m:t>1</m:t>
+                                <m:t>+1</m:t>
                               </m:r>
                             </m:sub>
                           </m:sSub>
@@ -24260,13 +24025,7 @@
                                         <a:rPr lang="en-US" altLang="zh-CN" sz="1100" b="0" i="1" smtClean="0">
                                           <a:latin typeface="Cambria Math" panose="02040503050406030204" pitchFamily="18" charset="0"/>
                                         </a:rPr>
-                                        <m:t>+</m:t>
-                                      </m:r>
-                                      <m:r>
-                                        <a:rPr lang="en-US" altLang="zh-CN" sz="1100" b="0" i="1" smtClean="0">
-                                          <a:latin typeface="Cambria Math" panose="02040503050406030204" pitchFamily="18" charset="0"/>
-                                        </a:rPr>
-                                        <m:t>1</m:t>
+                                        <m:t>+1</m:t>
                                       </m:r>
                                     </m:sub>
                                   </m:sSub>
@@ -24466,13 +24225,7 @@
                                             <a:rPr lang="en-US" altLang="zh-CN" sz="1100" b="0" i="1" smtClean="0">
                                               <a:latin typeface="Cambria Math" panose="02040503050406030204" pitchFamily="18" charset="0"/>
                                             </a:rPr>
-                                            <m:t>+</m:t>
-                                          </m:r>
-                                          <m:r>
-                                            <a:rPr lang="en-US" altLang="zh-CN" sz="1100" b="0" i="1" smtClean="0">
-                                              <a:latin typeface="Cambria Math" panose="02040503050406030204" pitchFamily="18" charset="0"/>
-                                            </a:rPr>
-                                            <m:t>1</m:t>
+                                            <m:t>+1</m:t>
                                           </m:r>
                                         </m:sub>
                                       </m:sSub>
@@ -24711,13 +24464,7 @@
                                         <a:rPr lang="en-US" altLang="zh-CN" sz="1100" b="0" i="1" smtClean="0">
                                           <a:latin typeface="Cambria Math" panose="02040503050406030204" pitchFamily="18" charset="0"/>
                                         </a:rPr>
-                                        <m:t>+</m:t>
-                                      </m:r>
-                                      <m:r>
-                                        <a:rPr lang="en-US" altLang="zh-CN" sz="1100" b="0" i="1" smtClean="0">
-                                          <a:latin typeface="Cambria Math" panose="02040503050406030204" pitchFamily="18" charset="0"/>
-                                        </a:rPr>
-                                        <m:t>1</m:t>
+                                        <m:t>+1</m:t>
                                       </m:r>
                                     </m:sub>
                                   </m:sSub>
@@ -24803,13 +24550,7 @@
                                                         <a:rPr lang="en-US" altLang="zh-CN" sz="1100" b="0" i="1" smtClean="0">
                                                           <a:latin typeface="Cambria Math" panose="02040503050406030204" pitchFamily="18" charset="0"/>
                                                         </a:rPr>
-                                                        <m:t>+</m:t>
-                                                      </m:r>
-                                                      <m:r>
-                                                        <a:rPr lang="en-US" altLang="zh-CN" sz="1100" b="0" i="1" smtClean="0">
-                                                          <a:latin typeface="Cambria Math" panose="02040503050406030204" pitchFamily="18" charset="0"/>
-                                                        </a:rPr>
-                                                        <m:t>1</m:t>
+                                                        <m:t>+1</m:t>
                                                       </m:r>
                                                     </m:sub>
                                                   </m:sSub>
@@ -25376,13 +25117,7 @@
                                 <a:rPr lang="ar-AE" altLang="zh-CN" sz="1100">
                                   <a:latin typeface="Cambria Math" panose="02040503050406030204" pitchFamily="18" charset="0"/>
                                 </a:rPr>
-                                <m:t>+</m:t>
-                              </m:r>
-                              <m:r>
-                                <a:rPr lang="ar-AE" altLang="zh-CN" sz="1100">
-                                  <a:latin typeface="Cambria Math" panose="02040503050406030204" pitchFamily="18" charset="0"/>
-                                </a:rPr>
-                                <m:t>1</m:t>
+                                <m:t>+1</m:t>
                               </m:r>
                             </m:e>
                           </m:d>
@@ -25696,7 +25431,7 @@
             </p:txBody>
           </p:sp>
         </mc:Choice>
-        <mc:Fallback>
+        <mc:Fallback xmlns="">
           <p:sp>
             <p:nvSpPr>
               <p:cNvPr id="95" name="文本框 94">
